--- a/inst/extdata/template_fullpage.pptx
+++ b/inst/extdata/template_fullpage.pptx
@@ -410,7 +410,7 @@
           <a:p>
             <a:fld id="{862C827D-FC0C-184A-B855-165F1307D257}" type="datetimeFigureOut">
               <a:rPr lang="en-US" smtClean="0"/>
-              <a:t>5/22/20</a:t>
+              <a:t>4/1/22</a:t>
             </a:fld>
             <a:endParaRPr lang="en-US"/>
           </a:p>
@@ -656,7 +656,7 @@
           <a:p>
             <a:fld id="{862C827D-FC0C-184A-B855-165F1307D257}" type="datetimeFigureOut">
               <a:rPr lang="en-US" smtClean="0"/>
-              <a:t>5/22/20</a:t>
+              <a:t>4/1/22</a:t>
             </a:fld>
             <a:endParaRPr lang="en-US"/>
           </a:p>
@@ -856,6 +856,183 @@
     <p:extLst>
       <p:ext uri="{BB962C8B-B14F-4D97-AF65-F5344CB8AC3E}">
         <p14:creationId xmlns:p14="http://schemas.microsoft.com/office/powerpoint/2010/main" val="3472932350"/>
+      </p:ext>
+    </p:extLst>
+  </p:cSld>
+  <p:clrMapOvr>
+    <a:masterClrMapping/>
+  </p:clrMapOvr>
+</p:sldLayout>
+</file>
+
+<file path=ppt/slideLayouts/slideLayout5.xml><?xml version="1.0" encoding="utf-8"?>
+<p:sldLayout xmlns:a="http://schemas.openxmlformats.org/drawingml/2006/main" xmlns:r="http://schemas.openxmlformats.org/officeDocument/2006/relationships" xmlns:p="http://schemas.openxmlformats.org/presentationml/2006/main" preserve="1" userDrawn="1">
+  <p:cSld name="Blank">
+    <p:spTree>
+      <p:nvGrpSpPr>
+        <p:cNvPr id="1" name=""/>
+        <p:cNvGrpSpPr/>
+        <p:nvPr/>
+      </p:nvGrpSpPr>
+      <p:grpSpPr>
+        <a:xfrm>
+          <a:off x="0" y="0"/>
+          <a:ext cx="0" cy="0"/>
+          <a:chOff x="0" y="0"/>
+          <a:chExt cx="0" cy="0"/>
+        </a:xfrm>
+      </p:grpSpPr>
+      <p:sp>
+        <p:nvSpPr>
+          <p:cNvPr id="2" name="Title 1">
+            <a:extLst>
+              <a:ext uri="{FF2B5EF4-FFF2-40B4-BE49-F238E27FC236}">
+                <a16:creationId xmlns:a16="http://schemas.microsoft.com/office/drawing/2014/main" id="{6BC17464-26F0-F70E-03FB-7D458DC13FC5}"/>
+              </a:ext>
+            </a:extLst>
+          </p:cNvPr>
+          <p:cNvSpPr>
+            <a:spLocks noGrp="1"/>
+          </p:cNvSpPr>
+          <p:nvPr>
+            <p:ph type="title"/>
+          </p:nvPr>
+        </p:nvSpPr>
+        <p:spPr/>
+        <p:txBody>
+          <a:bodyPr/>
+          <a:lstStyle/>
+          <a:p>
+            <a:r>
+              <a:rPr lang="en-US"/>
+              <a:t>Click to edit Master title style</a:t>
+            </a:r>
+            <a:endParaRPr lang="en-AU"/>
+          </a:p>
+        </p:txBody>
+      </p:sp>
+    </p:spTree>
+    <p:extLst>
+      <p:ext uri="{BB962C8B-B14F-4D97-AF65-F5344CB8AC3E}">
+        <p14:creationId xmlns:p14="http://schemas.microsoft.com/office/powerpoint/2010/main" val="2284550319"/>
+      </p:ext>
+    </p:extLst>
+  </p:cSld>
+  <p:clrMapOvr>
+    <a:masterClrMapping/>
+  </p:clrMapOvr>
+</p:sldLayout>
+</file>
+
+<file path=ppt/slideLayouts/slideLayout6.xml><?xml version="1.0" encoding="utf-8"?>
+<p:sldLayout xmlns:a="http://schemas.openxmlformats.org/drawingml/2006/main" xmlns:r="http://schemas.openxmlformats.org/officeDocument/2006/relationships" xmlns:p="http://schemas.openxmlformats.org/presentationml/2006/main" preserve="1" userDrawn="1">
+  <p:cSld name="Comparison">
+    <p:spTree>
+      <p:nvGrpSpPr>
+        <p:cNvPr id="1" name=""/>
+        <p:cNvGrpSpPr/>
+        <p:nvPr/>
+      </p:nvGrpSpPr>
+      <p:grpSpPr>
+        <a:xfrm>
+          <a:off x="0" y="0"/>
+          <a:ext cx="0" cy="0"/>
+          <a:chOff x="0" y="0"/>
+          <a:chExt cx="0" cy="0"/>
+        </a:xfrm>
+      </p:grpSpPr>
+      <p:sp>
+        <p:nvSpPr>
+          <p:cNvPr id="2" name="Title 1">
+            <a:extLst>
+              <a:ext uri="{FF2B5EF4-FFF2-40B4-BE49-F238E27FC236}">
+                <a16:creationId xmlns:a16="http://schemas.microsoft.com/office/drawing/2014/main" id="{598E868C-2161-3F70-9E5A-5C38113B1CCD}"/>
+              </a:ext>
+            </a:extLst>
+          </p:cNvPr>
+          <p:cNvSpPr>
+            <a:spLocks noGrp="1"/>
+          </p:cNvSpPr>
+          <p:nvPr>
+            <p:ph type="title"/>
+          </p:nvPr>
+        </p:nvSpPr>
+        <p:spPr/>
+        <p:txBody>
+          <a:bodyPr/>
+          <a:lstStyle/>
+          <a:p>
+            <a:r>
+              <a:rPr lang="en-US"/>
+              <a:t>Click to edit Master title style</a:t>
+            </a:r>
+            <a:endParaRPr lang="en-AU"/>
+          </a:p>
+        </p:txBody>
+      </p:sp>
+    </p:spTree>
+    <p:extLst>
+      <p:ext uri="{BB962C8B-B14F-4D97-AF65-F5344CB8AC3E}">
+        <p14:creationId xmlns:p14="http://schemas.microsoft.com/office/powerpoint/2010/main" val="1150693219"/>
+      </p:ext>
+    </p:extLst>
+  </p:cSld>
+  <p:clrMapOvr>
+    <a:masterClrMapping/>
+  </p:clrMapOvr>
+</p:sldLayout>
+</file>
+
+<file path=ppt/slideLayouts/slideLayout7.xml><?xml version="1.0" encoding="utf-8"?>
+<p:sldLayout xmlns:a="http://schemas.openxmlformats.org/drawingml/2006/main" xmlns:r="http://schemas.openxmlformats.org/officeDocument/2006/relationships" xmlns:p="http://schemas.openxmlformats.org/presentationml/2006/main" preserve="1" userDrawn="1">
+  <p:cSld name="Content with Caption">
+    <p:spTree>
+      <p:nvGrpSpPr>
+        <p:cNvPr id="1" name=""/>
+        <p:cNvGrpSpPr/>
+        <p:nvPr/>
+      </p:nvGrpSpPr>
+      <p:grpSpPr>
+        <a:xfrm>
+          <a:off x="0" y="0"/>
+          <a:ext cx="0" cy="0"/>
+          <a:chOff x="0" y="0"/>
+          <a:chExt cx="0" cy="0"/>
+        </a:xfrm>
+      </p:grpSpPr>
+      <p:sp>
+        <p:nvSpPr>
+          <p:cNvPr id="2" name="Title 1">
+            <a:extLst>
+              <a:ext uri="{FF2B5EF4-FFF2-40B4-BE49-F238E27FC236}">
+                <a16:creationId xmlns:a16="http://schemas.microsoft.com/office/drawing/2014/main" id="{27AED932-2FE5-9703-B8AE-C45091E0F0E2}"/>
+              </a:ext>
+            </a:extLst>
+          </p:cNvPr>
+          <p:cNvSpPr>
+            <a:spLocks noGrp="1"/>
+          </p:cNvSpPr>
+          <p:nvPr>
+            <p:ph type="title"/>
+          </p:nvPr>
+        </p:nvSpPr>
+        <p:spPr/>
+        <p:txBody>
+          <a:bodyPr/>
+          <a:lstStyle/>
+          <a:p>
+            <a:r>
+              <a:rPr lang="en-US"/>
+              <a:t>Click to edit Master title style</a:t>
+            </a:r>
+            <a:endParaRPr lang="en-AU"/>
+          </a:p>
+        </p:txBody>
+      </p:sp>
+    </p:spTree>
+    <p:extLst>
+      <p:ext uri="{BB962C8B-B14F-4D97-AF65-F5344CB8AC3E}">
+        <p14:creationId xmlns:p14="http://schemas.microsoft.com/office/powerpoint/2010/main" val="4293270632"/>
       </p:ext>
     </p:extLst>
   </p:cSld>
@@ -1017,7 +1194,7 @@
           <a:p>
             <a:fld id="{C764DE79-268F-4C1A-8933-263129D2AF90}" type="datetimeFigureOut">
               <a:rPr lang="en-US" smtClean="0"/>
-              <a:t>5/22/20</a:t>
+              <a:t>4/1/22</a:t>
             </a:fld>
             <a:endParaRPr lang="en-US" dirty="0"/>
           </a:p>
@@ -1114,6 +1291,9 @@
     <p:sldLayoutId id="2147483677" r:id="rId2"/>
     <p:sldLayoutId id="2147483678" r:id="rId3"/>
     <p:sldLayoutId id="2147483679" r:id="rId4"/>
+    <p:sldLayoutId id="2147483680" r:id="rId5"/>
+    <p:sldLayoutId id="2147483681" r:id="rId6"/>
+    <p:sldLayoutId id="2147483682" r:id="rId7"/>
   </p:sldLayoutIdLst>
   <p:txStyles>
     <p:titleStyle>

--- a/inst/extdata/template_fullpage.pptx
+++ b/inst/extdata/template_fullpage.pptx
@@ -410,7 +410,7 @@
           <a:p>
             <a:fld id="{862C827D-FC0C-184A-B855-165F1307D257}" type="datetimeFigureOut">
               <a:rPr lang="en-US" smtClean="0"/>
-              <a:t>4/1/22</a:t>
+              <a:t>12/28/22</a:t>
             </a:fld>
             <a:endParaRPr lang="en-US"/>
           </a:p>
@@ -656,7 +656,7 @@
           <a:p>
             <a:fld id="{862C827D-FC0C-184A-B855-165F1307D257}" type="datetimeFigureOut">
               <a:rPr lang="en-US" smtClean="0"/>
-              <a:t>4/1/22</a:t>
+              <a:t>12/28/22</a:t>
             </a:fld>
             <a:endParaRPr lang="en-US"/>
           </a:p>
@@ -718,7 +718,7 @@
 </file>
 
 <file path=ppt/slideLayouts/slideLayout4.xml><?xml version="1.0" encoding="utf-8"?>
-<p:sldLayout xmlns:a="http://schemas.openxmlformats.org/drawingml/2006/main" xmlns:r="http://schemas.openxmlformats.org/officeDocument/2006/relationships" xmlns:p="http://schemas.openxmlformats.org/presentationml/2006/main" type="twoObj" preserve="1">
+<p:sldLayout xmlns:a="http://schemas.openxmlformats.org/drawingml/2006/main" xmlns:r="http://schemas.openxmlformats.org/officeDocument/2006/relationships" xmlns:p="http://schemas.openxmlformats.org/presentationml/2006/main" preserve="1" userDrawn="1">
   <p:cSld name="Two Content">
     <p:spTree>
       <p:nvGrpSpPr>
@@ -849,6 +849,69 @@
               <a:t>Fifth level</a:t>
             </a:r>
             <a:endParaRPr lang="en-US" dirty="0"/>
+          </a:p>
+        </p:txBody>
+      </p:sp>
+      <p:sp>
+        <p:nvSpPr>
+          <p:cNvPr id="6" name="Caption Placeholder 1">
+            <a:extLst>
+              <a:ext uri="{FF2B5EF4-FFF2-40B4-BE49-F238E27FC236}">
+                <a16:creationId xmlns:a16="http://schemas.microsoft.com/office/drawing/2014/main" id="{D38CE8C8-8AEA-56B1-3B41-9467B20BEDF1}"/>
+              </a:ext>
+            </a:extLst>
+          </p:cNvPr>
+          <p:cNvSpPr>
+            <a:spLocks noGrp="1"/>
+          </p:cNvSpPr>
+          <p:nvPr>
+            <p:ph sz="quarter" idx="10"/>
+          </p:nvPr>
+        </p:nvSpPr>
+        <p:spPr>
+          <a:xfrm>
+            <a:off x="17789525" y="-2355850"/>
+            <a:ext cx="4627130" cy="2355850"/>
+          </a:xfrm>
+        </p:spPr>
+        <p:txBody>
+          <a:bodyPr/>
+          <a:lstStyle/>
+          <a:p>
+            <a:pPr lvl="0"/>
+            <a:r>
+              <a:rPr lang="en-GB"/>
+              <a:t>Click to edit Master text styles</a:t>
+            </a:r>
+          </a:p>
+          <a:p>
+            <a:pPr lvl="1"/>
+            <a:r>
+              <a:rPr lang="en-GB"/>
+              <a:t>Second level</a:t>
+            </a:r>
+          </a:p>
+          <a:p>
+            <a:pPr lvl="2"/>
+            <a:r>
+              <a:rPr lang="en-GB"/>
+              <a:t>Third level</a:t>
+            </a:r>
+          </a:p>
+          <a:p>
+            <a:pPr lvl="3"/>
+            <a:r>
+              <a:rPr lang="en-GB"/>
+              <a:t>Fourth level</a:t>
+            </a:r>
+          </a:p>
+          <a:p>
+            <a:pPr lvl="4"/>
+            <a:r>
+              <a:rPr lang="en-GB"/>
+              <a:t>Fifth level</a:t>
+            </a:r>
+            <a:endParaRPr lang="en-US"/>
           </a:p>
         </p:txBody>
       </p:sp>
@@ -1194,7 +1257,7 @@
           <a:p>
             <a:fld id="{C764DE79-268F-4C1A-8933-263129D2AF90}" type="datetimeFigureOut">
               <a:rPr lang="en-US" smtClean="0"/>
-              <a:t>4/1/22</a:t>
+              <a:t>12/28/22</a:t>
             </a:fld>
             <a:endParaRPr lang="en-US" dirty="0"/>
           </a:p>
